--- a/aoc/slides2.pptx
+++ b/aoc/slides2.pptx
@@ -46877,11 +46877,14 @@
               <a:rPr lang="en-GB" dirty="0" err="1">
                 <a:latin typeface="APL386 Unicode" panose="020B0709000202000203" pitchFamily="50" charset="0"/>
               </a:rPr>
-              <a:t>x'⊂path</a:t>
+              <a:t>x'⊢path</a:t>
             </a:r>
-            <a:endParaRPr lang="en-GB" dirty="0">
-              <a:latin typeface="APL386 Unicode" panose="020B0709000202000203" pitchFamily="50" charset="0"/>
-            </a:endParaRPr>
+            <a:r>
+              <a:rPr lang="en-GB" dirty="0">
+                <a:latin typeface="APL386 Unicode" panose="020B0709000202000203" pitchFamily="50" charset="0"/>
+              </a:rPr>
+              <a:t> ⍬ 2</a:t>
+            </a:r>
           </a:p>
           <a:p>
             <a:pPr marL="0" indent="0">
@@ -47559,7 +47562,7 @@
               <a:rPr lang="en-GB" dirty="0">
                 <a:latin typeface="APL386 Unicode" panose="020B0709000202000203" pitchFamily="50" charset="0"/>
               </a:rPr>
-              <a:t>' 1⊢path</a:t>
+              <a:t>' 1⊂path</a:t>
             </a:r>
           </a:p>
           <a:p>
@@ -48127,7 +48130,7 @@
               <a:rPr lang="en-GB" dirty="0">
                 <a:latin typeface="APL386 Unicode" panose="020B0709000202000203" pitchFamily="50" charset="0"/>
               </a:rPr>
-              <a:t>↑' '(1 ⎕JSON¨≠⊆⊢)¨⊃⎕NGET path 1</a:t>
+              <a:t>↑' '(0 ⎕JSON¨≠⊆⊢)¨⊃⎕NGET path 1</a:t>
             </a:r>
           </a:p>
           <a:p>
